--- a/plots/Delta_colorbar.pptx
+++ b/plots/Delta_colorbar.pptx
@@ -5,7 +5,9 @@
     <p:sldMasterId id="2147483648" r:id="rId1"/>
   </p:sldMasterIdLst>
   <p:sldIdLst>
-    <p:sldId id="256" r:id="rId2"/>
+    <p:sldId id="258" r:id="rId2"/>
+    <p:sldId id="256" r:id="rId3"/>
+    <p:sldId id="259" r:id="rId4"/>
   </p:sldIdLst>
   <p:sldSz cx="12192000" cy="6858000"/>
   <p:notesSz cx="6858000" cy="9144000"/>
@@ -259,7 +261,7 @@
           <a:p>
             <a:fld id="{AE7EA80E-B28C-4392-953C-95459C71C61F}" type="datetimeFigureOut">
               <a:rPr lang="en-US" smtClean="0"/>
-              <a:t>12/28/2021</a:t>
+              <a:t>1/10/2022</a:t>
             </a:fld>
             <a:endParaRPr lang="en-US"/>
           </a:p>
@@ -457,7 +459,7 @@
           <a:p>
             <a:fld id="{AE7EA80E-B28C-4392-953C-95459C71C61F}" type="datetimeFigureOut">
               <a:rPr lang="en-US" smtClean="0"/>
-              <a:t>12/28/2021</a:t>
+              <a:t>1/10/2022</a:t>
             </a:fld>
             <a:endParaRPr lang="en-US"/>
           </a:p>
@@ -665,7 +667,7 @@
           <a:p>
             <a:fld id="{AE7EA80E-B28C-4392-953C-95459C71C61F}" type="datetimeFigureOut">
               <a:rPr lang="en-US" smtClean="0"/>
-              <a:t>12/28/2021</a:t>
+              <a:t>1/10/2022</a:t>
             </a:fld>
             <a:endParaRPr lang="en-US"/>
           </a:p>
@@ -863,7 +865,7 @@
           <a:p>
             <a:fld id="{AE7EA80E-B28C-4392-953C-95459C71C61F}" type="datetimeFigureOut">
               <a:rPr lang="en-US" smtClean="0"/>
-              <a:t>12/28/2021</a:t>
+              <a:t>1/10/2022</a:t>
             </a:fld>
             <a:endParaRPr lang="en-US"/>
           </a:p>
@@ -1138,7 +1140,7 @@
           <a:p>
             <a:fld id="{AE7EA80E-B28C-4392-953C-95459C71C61F}" type="datetimeFigureOut">
               <a:rPr lang="en-US" smtClean="0"/>
-              <a:t>12/28/2021</a:t>
+              <a:t>1/10/2022</a:t>
             </a:fld>
             <a:endParaRPr lang="en-US"/>
           </a:p>
@@ -1403,7 +1405,7 @@
           <a:p>
             <a:fld id="{AE7EA80E-B28C-4392-953C-95459C71C61F}" type="datetimeFigureOut">
               <a:rPr lang="en-US" smtClean="0"/>
-              <a:t>12/28/2021</a:t>
+              <a:t>1/10/2022</a:t>
             </a:fld>
             <a:endParaRPr lang="en-US"/>
           </a:p>
@@ -1815,7 +1817,7 @@
           <a:p>
             <a:fld id="{AE7EA80E-B28C-4392-953C-95459C71C61F}" type="datetimeFigureOut">
               <a:rPr lang="en-US" smtClean="0"/>
-              <a:t>12/28/2021</a:t>
+              <a:t>1/10/2022</a:t>
             </a:fld>
             <a:endParaRPr lang="en-US"/>
           </a:p>
@@ -1956,7 +1958,7 @@
           <a:p>
             <a:fld id="{AE7EA80E-B28C-4392-953C-95459C71C61F}" type="datetimeFigureOut">
               <a:rPr lang="en-US" smtClean="0"/>
-              <a:t>12/28/2021</a:t>
+              <a:t>1/10/2022</a:t>
             </a:fld>
             <a:endParaRPr lang="en-US"/>
           </a:p>
@@ -2069,7 +2071,7 @@
           <a:p>
             <a:fld id="{AE7EA80E-B28C-4392-953C-95459C71C61F}" type="datetimeFigureOut">
               <a:rPr lang="en-US" smtClean="0"/>
-              <a:t>12/28/2021</a:t>
+              <a:t>1/10/2022</a:t>
             </a:fld>
             <a:endParaRPr lang="en-US"/>
           </a:p>
@@ -2380,7 +2382,7 @@
           <a:p>
             <a:fld id="{AE7EA80E-B28C-4392-953C-95459C71C61F}" type="datetimeFigureOut">
               <a:rPr lang="en-US" smtClean="0"/>
-              <a:t>12/28/2021</a:t>
+              <a:t>1/10/2022</a:t>
             </a:fld>
             <a:endParaRPr lang="en-US"/>
           </a:p>
@@ -2668,7 +2670,7 @@
           <a:p>
             <a:fld id="{AE7EA80E-B28C-4392-953C-95459C71C61F}" type="datetimeFigureOut">
               <a:rPr lang="en-US" smtClean="0"/>
-              <a:t>12/28/2021</a:t>
+              <a:t>1/10/2022</a:t>
             </a:fld>
             <a:endParaRPr lang="en-US"/>
           </a:p>
@@ -2909,7 +2911,7 @@
           <a:p>
             <a:fld id="{AE7EA80E-B28C-4392-953C-95459C71C61F}" type="datetimeFigureOut">
               <a:rPr lang="en-US" smtClean="0"/>
-              <a:t>12/28/2021</a:t>
+              <a:t>1/10/2022</a:t>
             </a:fld>
             <a:endParaRPr lang="en-US"/>
           </a:p>
@@ -3328,10 +3330,10 @@
       </p:grpSpPr>
       <p:pic>
         <p:nvPicPr>
-          <p:cNvPr id="11" name="Picture 10">
-            <a:extLst>
-              <a:ext uri="{FF2B5EF4-FFF2-40B4-BE49-F238E27FC236}">
-                <a16:creationId xmlns:a16="http://schemas.microsoft.com/office/drawing/2014/main" id="{6F65A0D5-1CB5-4221-9468-F6B4D509E27C}"/>
+          <p:cNvPr id="3" name="Picture 2">
+            <a:extLst>
+              <a:ext uri="{FF2B5EF4-FFF2-40B4-BE49-F238E27FC236}">
+                <a16:creationId xmlns:a16="http://schemas.microsoft.com/office/drawing/2014/main" id="{6EFE6DFB-4A6F-451B-8E81-48AEB41ED469}"/>
               </a:ext>
             </a:extLst>
           </p:cNvPr>
@@ -3354,8 +3356,443 @@
         </p:blipFill>
         <p:spPr>
           <a:xfrm>
-            <a:off x="-1126738" y="-362170"/>
-            <a:ext cx="14776704" cy="7388352"/>
+            <a:off x="457200" y="91440"/>
+            <a:ext cx="11155680" cy="6794220"/>
+          </a:xfrm>
+          <a:prstGeom prst="rect">
+            <a:avLst/>
+          </a:prstGeom>
+        </p:spPr>
+      </p:pic>
+      <p:sp>
+        <p:nvSpPr>
+          <p:cNvPr id="8" name="Rectangle 7">
+            <a:extLst>
+              <a:ext uri="{FF2B5EF4-FFF2-40B4-BE49-F238E27FC236}">
+                <a16:creationId xmlns:a16="http://schemas.microsoft.com/office/drawing/2014/main" id="{6FEAB7E9-9958-410D-B799-73620FD6ACC2}"/>
+              </a:ext>
+            </a:extLst>
+          </p:cNvPr>
+          <p:cNvSpPr/>
+          <p:nvPr/>
+        </p:nvSpPr>
+        <p:spPr>
+          <a:xfrm>
+            <a:off x="50896" y="202915"/>
+            <a:ext cx="822884" cy="523220"/>
+          </a:xfrm>
+          <a:prstGeom prst="rect">
+            <a:avLst/>
+          </a:prstGeom>
+          <a:noFill/>
+        </p:spPr>
+        <p:txBody>
+          <a:bodyPr wrap="square" lIns="91440" tIns="45720" rIns="91440" bIns="45720">
+            <a:spAutoFit/>
+          </a:bodyPr>
+          <a:lstStyle/>
+          <a:p>
+            <a:pPr algn="ctr"/>
+            <a:r>
+              <a:rPr lang="en-US" sz="2800" b="1" cap="none" spc="0" dirty="0">
+                <a:ln w="22225">
+                  <a:solidFill>
+                    <a:schemeClr val="accent2"/>
+                  </a:solidFill>
+                  <a:prstDash val="solid"/>
+                </a:ln>
+                <a:solidFill>
+                  <a:schemeClr val="accent2">
+                    <a:lumMod val="40000"/>
+                    <a:lumOff val="60000"/>
+                  </a:schemeClr>
+                </a:solidFill>
+                <a:effectLst/>
+              </a:rPr>
+              <a:t>A.</a:t>
+            </a:r>
+          </a:p>
+        </p:txBody>
+      </p:sp>
+      <p:sp>
+        <p:nvSpPr>
+          <p:cNvPr id="12" name="Rectangle 11">
+            <a:extLst>
+              <a:ext uri="{FF2B5EF4-FFF2-40B4-BE49-F238E27FC236}">
+                <a16:creationId xmlns:a16="http://schemas.microsoft.com/office/drawing/2014/main" id="{F4C4B75C-FB12-40AB-8DBD-92F8ED865268}"/>
+              </a:ext>
+            </a:extLst>
+          </p:cNvPr>
+          <p:cNvSpPr/>
+          <p:nvPr/>
+        </p:nvSpPr>
+        <p:spPr>
+          <a:xfrm>
+            <a:off x="50896" y="3530457"/>
+            <a:ext cx="822884" cy="523220"/>
+          </a:xfrm>
+          <a:prstGeom prst="rect">
+            <a:avLst/>
+          </a:prstGeom>
+          <a:noFill/>
+        </p:spPr>
+        <p:txBody>
+          <a:bodyPr wrap="square" lIns="91440" tIns="45720" rIns="91440" bIns="45720">
+            <a:spAutoFit/>
+          </a:bodyPr>
+          <a:lstStyle/>
+          <a:p>
+            <a:pPr algn="ctr"/>
+            <a:r>
+              <a:rPr lang="en-US" sz="2800" b="1" cap="none" spc="0" dirty="0">
+                <a:ln w="22225">
+                  <a:solidFill>
+                    <a:schemeClr val="accent2"/>
+                  </a:solidFill>
+                  <a:prstDash val="solid"/>
+                </a:ln>
+                <a:solidFill>
+                  <a:schemeClr val="accent2">
+                    <a:lumMod val="40000"/>
+                    <a:lumOff val="60000"/>
+                  </a:schemeClr>
+                </a:solidFill>
+                <a:effectLst/>
+              </a:rPr>
+              <a:t>B.</a:t>
+            </a:r>
+          </a:p>
+        </p:txBody>
+      </p:sp>
+      <p:sp>
+        <p:nvSpPr>
+          <p:cNvPr id="14" name="Rectangle 13">
+            <a:extLst>
+              <a:ext uri="{FF2B5EF4-FFF2-40B4-BE49-F238E27FC236}">
+                <a16:creationId xmlns:a16="http://schemas.microsoft.com/office/drawing/2014/main" id="{90749D68-02B1-46B7-9363-7FAF370973B4}"/>
+              </a:ext>
+            </a:extLst>
+          </p:cNvPr>
+          <p:cNvSpPr/>
+          <p:nvPr/>
+        </p:nvSpPr>
+        <p:spPr>
+          <a:xfrm>
+            <a:off x="6022174" y="202915"/>
+            <a:ext cx="822884" cy="523220"/>
+          </a:xfrm>
+          <a:prstGeom prst="rect">
+            <a:avLst/>
+          </a:prstGeom>
+          <a:noFill/>
+        </p:spPr>
+        <p:txBody>
+          <a:bodyPr wrap="square" lIns="91440" tIns="45720" rIns="91440" bIns="45720">
+            <a:spAutoFit/>
+          </a:bodyPr>
+          <a:lstStyle/>
+          <a:p>
+            <a:pPr algn="ctr"/>
+            <a:r>
+              <a:rPr lang="en-US" sz="2800" b="1" dirty="0">
+                <a:ln w="22225">
+                  <a:solidFill>
+                    <a:schemeClr val="accent2"/>
+                  </a:solidFill>
+                  <a:prstDash val="solid"/>
+                </a:ln>
+                <a:solidFill>
+                  <a:schemeClr val="accent2">
+                    <a:lumMod val="40000"/>
+                    <a:lumOff val="60000"/>
+                  </a:schemeClr>
+                </a:solidFill>
+              </a:rPr>
+              <a:t>C</a:t>
+            </a:r>
+            <a:r>
+              <a:rPr lang="en-US" sz="2800" b="1" cap="none" spc="0" dirty="0">
+                <a:ln w="22225">
+                  <a:solidFill>
+                    <a:schemeClr val="accent2"/>
+                  </a:solidFill>
+                  <a:prstDash val="solid"/>
+                </a:ln>
+                <a:solidFill>
+                  <a:schemeClr val="accent2">
+                    <a:lumMod val="40000"/>
+                    <a:lumOff val="60000"/>
+                  </a:schemeClr>
+                </a:solidFill>
+                <a:effectLst/>
+              </a:rPr>
+              <a:t>.</a:t>
+            </a:r>
+          </a:p>
+        </p:txBody>
+      </p:sp>
+      <p:pic>
+        <p:nvPicPr>
+          <p:cNvPr id="4" name="Picture 3">
+            <a:extLst>
+              <a:ext uri="{FF2B5EF4-FFF2-40B4-BE49-F238E27FC236}">
+                <a16:creationId xmlns:a16="http://schemas.microsoft.com/office/drawing/2014/main" id="{2D38AE88-30FD-4022-BCD3-1CCD0515F408}"/>
+              </a:ext>
+            </a:extLst>
+          </p:cNvPr>
+          <p:cNvPicPr>
+            <a:picLocks noChangeAspect="1"/>
+          </p:cNvPicPr>
+          <p:nvPr/>
+        </p:nvPicPr>
+        <p:blipFill>
+          <a:blip r:embed="rId3">
+            <a:extLst>
+              <a:ext uri="{28A0092B-C50C-407E-A947-70E740481C1C}">
+                <a14:useLocalDpi xmlns:a14="http://schemas.microsoft.com/office/drawing/2010/main" val="0"/>
+              </a:ext>
+            </a:extLst>
+          </a:blip>
+          <a:stretch>
+            <a:fillRect/>
+          </a:stretch>
+        </p:blipFill>
+        <p:spPr>
+          <a:xfrm>
+            <a:off x="1277395" y="208692"/>
+            <a:ext cx="2784620" cy="1856413"/>
+          </a:xfrm>
+          <a:prstGeom prst="rect">
+            <a:avLst/>
+          </a:prstGeom>
+        </p:spPr>
+      </p:pic>
+    </p:spTree>
+    <p:extLst>
+      <p:ext uri="{BB962C8B-B14F-4D97-AF65-F5344CB8AC3E}">
+        <p14:creationId xmlns:p14="http://schemas.microsoft.com/office/powerpoint/2010/main" val="1310970622"/>
+      </p:ext>
+    </p:extLst>
+  </p:cSld>
+  <p:clrMapOvr>
+    <a:masterClrMapping/>
+  </p:clrMapOvr>
+</p:sld>
+</file>
+
+<file path=ppt/slides/slide2.xml><?xml version="1.0" encoding="utf-8"?>
+<p:sld xmlns:a="http://schemas.openxmlformats.org/drawingml/2006/main" xmlns:r="http://schemas.openxmlformats.org/officeDocument/2006/relationships" xmlns:p="http://schemas.openxmlformats.org/presentationml/2006/main">
+  <p:cSld>
+    <p:spTree>
+      <p:nvGrpSpPr>
+        <p:cNvPr id="1" name=""/>
+        <p:cNvGrpSpPr/>
+        <p:nvPr/>
+      </p:nvGrpSpPr>
+      <p:grpSpPr>
+        <a:xfrm>
+          <a:off x="0" y="0"/>
+          <a:ext cx="0" cy="0"/>
+          <a:chOff x="0" y="0"/>
+          <a:chExt cx="0" cy="0"/>
+        </a:xfrm>
+      </p:grpSpPr>
+      <p:sp>
+        <p:nvSpPr>
+          <p:cNvPr id="8" name="Rectangle 7">
+            <a:extLst>
+              <a:ext uri="{FF2B5EF4-FFF2-40B4-BE49-F238E27FC236}">
+                <a16:creationId xmlns:a16="http://schemas.microsoft.com/office/drawing/2014/main" id="{6FEAB7E9-9958-410D-B799-73620FD6ACC2}"/>
+              </a:ext>
+            </a:extLst>
+          </p:cNvPr>
+          <p:cNvSpPr/>
+          <p:nvPr/>
+        </p:nvSpPr>
+        <p:spPr>
+          <a:xfrm>
+            <a:off x="50896" y="202915"/>
+            <a:ext cx="822884" cy="523220"/>
+          </a:xfrm>
+          <a:prstGeom prst="rect">
+            <a:avLst/>
+          </a:prstGeom>
+          <a:noFill/>
+        </p:spPr>
+        <p:txBody>
+          <a:bodyPr wrap="square" lIns="91440" tIns="45720" rIns="91440" bIns="45720">
+            <a:spAutoFit/>
+          </a:bodyPr>
+          <a:lstStyle/>
+          <a:p>
+            <a:pPr algn="ctr"/>
+            <a:r>
+              <a:rPr lang="en-US" sz="2800" b="1" cap="none" spc="0" dirty="0">
+                <a:ln w="22225">
+                  <a:solidFill>
+                    <a:schemeClr val="accent2"/>
+                  </a:solidFill>
+                  <a:prstDash val="solid"/>
+                </a:ln>
+                <a:solidFill>
+                  <a:schemeClr val="accent2">
+                    <a:lumMod val="40000"/>
+                    <a:lumOff val="60000"/>
+                  </a:schemeClr>
+                </a:solidFill>
+                <a:effectLst/>
+              </a:rPr>
+              <a:t>A.</a:t>
+            </a:r>
+          </a:p>
+        </p:txBody>
+      </p:sp>
+      <p:sp>
+        <p:nvSpPr>
+          <p:cNvPr id="12" name="Rectangle 11">
+            <a:extLst>
+              <a:ext uri="{FF2B5EF4-FFF2-40B4-BE49-F238E27FC236}">
+                <a16:creationId xmlns:a16="http://schemas.microsoft.com/office/drawing/2014/main" id="{F4C4B75C-FB12-40AB-8DBD-92F8ED865268}"/>
+              </a:ext>
+            </a:extLst>
+          </p:cNvPr>
+          <p:cNvSpPr/>
+          <p:nvPr/>
+        </p:nvSpPr>
+        <p:spPr>
+          <a:xfrm>
+            <a:off x="50896" y="3530457"/>
+            <a:ext cx="822884" cy="523220"/>
+          </a:xfrm>
+          <a:prstGeom prst="rect">
+            <a:avLst/>
+          </a:prstGeom>
+          <a:noFill/>
+        </p:spPr>
+        <p:txBody>
+          <a:bodyPr wrap="square" lIns="91440" tIns="45720" rIns="91440" bIns="45720">
+            <a:spAutoFit/>
+          </a:bodyPr>
+          <a:lstStyle/>
+          <a:p>
+            <a:pPr algn="ctr"/>
+            <a:r>
+              <a:rPr lang="en-US" sz="2800" b="1" cap="none" spc="0" dirty="0">
+                <a:ln w="22225">
+                  <a:solidFill>
+                    <a:schemeClr val="accent2"/>
+                  </a:solidFill>
+                  <a:prstDash val="solid"/>
+                </a:ln>
+                <a:solidFill>
+                  <a:schemeClr val="accent2">
+                    <a:lumMod val="40000"/>
+                    <a:lumOff val="60000"/>
+                  </a:schemeClr>
+                </a:solidFill>
+                <a:effectLst/>
+              </a:rPr>
+              <a:t>B.</a:t>
+            </a:r>
+          </a:p>
+        </p:txBody>
+      </p:sp>
+      <p:sp>
+        <p:nvSpPr>
+          <p:cNvPr id="14" name="Rectangle 13">
+            <a:extLst>
+              <a:ext uri="{FF2B5EF4-FFF2-40B4-BE49-F238E27FC236}">
+                <a16:creationId xmlns:a16="http://schemas.microsoft.com/office/drawing/2014/main" id="{90749D68-02B1-46B7-9363-7FAF370973B4}"/>
+              </a:ext>
+            </a:extLst>
+          </p:cNvPr>
+          <p:cNvSpPr/>
+          <p:nvPr/>
+        </p:nvSpPr>
+        <p:spPr>
+          <a:xfrm>
+            <a:off x="6022174" y="202915"/>
+            <a:ext cx="822884" cy="523220"/>
+          </a:xfrm>
+          <a:prstGeom prst="rect">
+            <a:avLst/>
+          </a:prstGeom>
+          <a:noFill/>
+        </p:spPr>
+        <p:txBody>
+          <a:bodyPr wrap="square" lIns="91440" tIns="45720" rIns="91440" bIns="45720">
+            <a:spAutoFit/>
+          </a:bodyPr>
+          <a:lstStyle/>
+          <a:p>
+            <a:pPr algn="ctr"/>
+            <a:r>
+              <a:rPr lang="en-US" sz="2800" b="1" dirty="0">
+                <a:ln w="22225">
+                  <a:solidFill>
+                    <a:schemeClr val="accent2"/>
+                  </a:solidFill>
+                  <a:prstDash val="solid"/>
+                </a:ln>
+                <a:solidFill>
+                  <a:schemeClr val="accent2">
+                    <a:lumMod val="40000"/>
+                    <a:lumOff val="60000"/>
+                  </a:schemeClr>
+                </a:solidFill>
+              </a:rPr>
+              <a:t>C</a:t>
+            </a:r>
+            <a:r>
+              <a:rPr lang="en-US" sz="2800" b="1" cap="none" spc="0" dirty="0">
+                <a:ln w="22225">
+                  <a:solidFill>
+                    <a:schemeClr val="accent2"/>
+                  </a:solidFill>
+                  <a:prstDash val="solid"/>
+                </a:ln>
+                <a:solidFill>
+                  <a:schemeClr val="accent2">
+                    <a:lumMod val="40000"/>
+                    <a:lumOff val="60000"/>
+                  </a:schemeClr>
+                </a:solidFill>
+                <a:effectLst/>
+              </a:rPr>
+              <a:t>.</a:t>
+            </a:r>
+          </a:p>
+        </p:txBody>
+      </p:sp>
+      <p:pic>
+        <p:nvPicPr>
+          <p:cNvPr id="10" name="Picture 9">
+            <a:extLst>
+              <a:ext uri="{FF2B5EF4-FFF2-40B4-BE49-F238E27FC236}">
+                <a16:creationId xmlns:a16="http://schemas.microsoft.com/office/drawing/2014/main" id="{F6581CFE-0146-4F11-8FC7-926DC75EB6D8}"/>
+              </a:ext>
+            </a:extLst>
+          </p:cNvPr>
+          <p:cNvPicPr>
+            <a:picLocks noChangeAspect="1"/>
+          </p:cNvPicPr>
+          <p:nvPr/>
+        </p:nvPicPr>
+        <p:blipFill>
+          <a:blip r:embed="rId2">
+            <a:extLst>
+              <a:ext uri="{28A0092B-C50C-407E-A947-70E740481C1C}">
+                <a14:useLocalDpi xmlns:a14="http://schemas.microsoft.com/office/drawing/2010/main" val="0"/>
+              </a:ext>
+            </a:extLst>
+          </a:blip>
+          <a:srcRect/>
+          <a:stretch/>
+        </p:blipFill>
+        <p:spPr>
+          <a:xfrm>
+            <a:off x="457204" y="91440"/>
+            <a:ext cx="11155672" cy="6794216"/>
           </a:xfrm>
           <a:prstGeom prst="rect">
             <a:avLst/>
@@ -3364,10 +3801,10 @@
       </p:pic>
       <p:pic>
         <p:nvPicPr>
-          <p:cNvPr id="13" name="Picture 12">
-            <a:extLst>
-              <a:ext uri="{FF2B5EF4-FFF2-40B4-BE49-F238E27FC236}">
-                <a16:creationId xmlns:a16="http://schemas.microsoft.com/office/drawing/2014/main" id="{AEF9982C-EE07-4041-BEA7-43D90399A9F2}"/>
+          <p:cNvPr id="16" name="Picture 15">
+            <a:extLst>
+              <a:ext uri="{FF2B5EF4-FFF2-40B4-BE49-F238E27FC236}">
+                <a16:creationId xmlns:a16="http://schemas.microsoft.com/office/drawing/2014/main" id="{2BF7D738-2DE1-4D6F-BBCF-F88D7110DBD1}"/>
               </a:ext>
             </a:extLst>
           </p:cNvPr>
@@ -3390,8 +3827,8 @@
         </p:blipFill>
         <p:spPr>
           <a:xfrm>
-            <a:off x="8435083" y="532826"/>
-            <a:ext cx="2945691" cy="1963794"/>
+            <a:off x="3283161" y="201168"/>
+            <a:ext cx="2798064" cy="1865376"/>
           </a:xfrm>
           <a:prstGeom prst="rect">
             <a:avLst/>
@@ -3402,6 +3839,273 @@
     <p:extLst>
       <p:ext uri="{BB962C8B-B14F-4D97-AF65-F5344CB8AC3E}">
         <p14:creationId xmlns:p14="http://schemas.microsoft.com/office/powerpoint/2010/main" val="998188209"/>
+      </p:ext>
+    </p:extLst>
+  </p:cSld>
+  <p:clrMapOvr>
+    <a:masterClrMapping/>
+  </p:clrMapOvr>
+</p:sld>
+</file>
+
+<file path=ppt/slides/slide3.xml><?xml version="1.0" encoding="utf-8"?>
+<p:sld xmlns:a="http://schemas.openxmlformats.org/drawingml/2006/main" xmlns:r="http://schemas.openxmlformats.org/officeDocument/2006/relationships" xmlns:p="http://schemas.openxmlformats.org/presentationml/2006/main">
+  <p:cSld>
+    <p:spTree>
+      <p:nvGrpSpPr>
+        <p:cNvPr id="1" name=""/>
+        <p:cNvGrpSpPr/>
+        <p:nvPr/>
+      </p:nvGrpSpPr>
+      <p:grpSpPr>
+        <a:xfrm>
+          <a:off x="0" y="0"/>
+          <a:ext cx="0" cy="0"/>
+          <a:chOff x="0" y="0"/>
+          <a:chExt cx="0" cy="0"/>
+        </a:xfrm>
+      </p:grpSpPr>
+      <p:sp>
+        <p:nvSpPr>
+          <p:cNvPr id="8" name="Rectangle 7">
+            <a:extLst>
+              <a:ext uri="{FF2B5EF4-FFF2-40B4-BE49-F238E27FC236}">
+                <a16:creationId xmlns:a16="http://schemas.microsoft.com/office/drawing/2014/main" id="{6FEAB7E9-9958-410D-B799-73620FD6ACC2}"/>
+              </a:ext>
+            </a:extLst>
+          </p:cNvPr>
+          <p:cNvSpPr/>
+          <p:nvPr/>
+        </p:nvSpPr>
+        <p:spPr>
+          <a:xfrm>
+            <a:off x="50896" y="202915"/>
+            <a:ext cx="822884" cy="523220"/>
+          </a:xfrm>
+          <a:prstGeom prst="rect">
+            <a:avLst/>
+          </a:prstGeom>
+          <a:noFill/>
+        </p:spPr>
+        <p:txBody>
+          <a:bodyPr wrap="square" lIns="91440" tIns="45720" rIns="91440" bIns="45720">
+            <a:spAutoFit/>
+          </a:bodyPr>
+          <a:lstStyle/>
+          <a:p>
+            <a:pPr algn="ctr"/>
+            <a:r>
+              <a:rPr lang="en-US" sz="2800" b="1" cap="none" spc="0" dirty="0">
+                <a:ln w="22225">
+                  <a:solidFill>
+                    <a:schemeClr val="accent2"/>
+                  </a:solidFill>
+                  <a:prstDash val="solid"/>
+                </a:ln>
+                <a:solidFill>
+                  <a:schemeClr val="accent2">
+                    <a:lumMod val="40000"/>
+                    <a:lumOff val="60000"/>
+                  </a:schemeClr>
+                </a:solidFill>
+                <a:effectLst/>
+              </a:rPr>
+              <a:t>A.</a:t>
+            </a:r>
+          </a:p>
+        </p:txBody>
+      </p:sp>
+      <p:sp>
+        <p:nvSpPr>
+          <p:cNvPr id="12" name="Rectangle 11">
+            <a:extLst>
+              <a:ext uri="{FF2B5EF4-FFF2-40B4-BE49-F238E27FC236}">
+                <a16:creationId xmlns:a16="http://schemas.microsoft.com/office/drawing/2014/main" id="{F4C4B75C-FB12-40AB-8DBD-92F8ED865268}"/>
+              </a:ext>
+            </a:extLst>
+          </p:cNvPr>
+          <p:cNvSpPr/>
+          <p:nvPr/>
+        </p:nvSpPr>
+        <p:spPr>
+          <a:xfrm>
+            <a:off x="50896" y="3530457"/>
+            <a:ext cx="822884" cy="523220"/>
+          </a:xfrm>
+          <a:prstGeom prst="rect">
+            <a:avLst/>
+          </a:prstGeom>
+          <a:noFill/>
+        </p:spPr>
+        <p:txBody>
+          <a:bodyPr wrap="square" lIns="91440" tIns="45720" rIns="91440" bIns="45720">
+            <a:spAutoFit/>
+          </a:bodyPr>
+          <a:lstStyle/>
+          <a:p>
+            <a:pPr algn="ctr"/>
+            <a:r>
+              <a:rPr lang="en-US" sz="2800" b="1" cap="none" spc="0" dirty="0">
+                <a:ln w="22225">
+                  <a:solidFill>
+                    <a:schemeClr val="accent2"/>
+                  </a:solidFill>
+                  <a:prstDash val="solid"/>
+                </a:ln>
+                <a:solidFill>
+                  <a:schemeClr val="accent2">
+                    <a:lumMod val="40000"/>
+                    <a:lumOff val="60000"/>
+                  </a:schemeClr>
+                </a:solidFill>
+                <a:effectLst/>
+              </a:rPr>
+              <a:t>B.</a:t>
+            </a:r>
+          </a:p>
+        </p:txBody>
+      </p:sp>
+      <p:sp>
+        <p:nvSpPr>
+          <p:cNvPr id="14" name="Rectangle 13">
+            <a:extLst>
+              <a:ext uri="{FF2B5EF4-FFF2-40B4-BE49-F238E27FC236}">
+                <a16:creationId xmlns:a16="http://schemas.microsoft.com/office/drawing/2014/main" id="{90749D68-02B1-46B7-9363-7FAF370973B4}"/>
+              </a:ext>
+            </a:extLst>
+          </p:cNvPr>
+          <p:cNvSpPr/>
+          <p:nvPr/>
+        </p:nvSpPr>
+        <p:spPr>
+          <a:xfrm>
+            <a:off x="6022174" y="202915"/>
+            <a:ext cx="822884" cy="523220"/>
+          </a:xfrm>
+          <a:prstGeom prst="rect">
+            <a:avLst/>
+          </a:prstGeom>
+          <a:noFill/>
+        </p:spPr>
+        <p:txBody>
+          <a:bodyPr wrap="square" lIns="91440" tIns="45720" rIns="91440" bIns="45720">
+            <a:spAutoFit/>
+          </a:bodyPr>
+          <a:lstStyle/>
+          <a:p>
+            <a:pPr algn="ctr"/>
+            <a:r>
+              <a:rPr lang="en-US" sz="2800" b="1" dirty="0">
+                <a:ln w="22225">
+                  <a:solidFill>
+                    <a:schemeClr val="accent2"/>
+                  </a:solidFill>
+                  <a:prstDash val="solid"/>
+                </a:ln>
+                <a:solidFill>
+                  <a:schemeClr val="accent2">
+                    <a:lumMod val="40000"/>
+                    <a:lumOff val="60000"/>
+                  </a:schemeClr>
+                </a:solidFill>
+              </a:rPr>
+              <a:t>C</a:t>
+            </a:r>
+            <a:r>
+              <a:rPr lang="en-US" sz="2800" b="1" cap="none" spc="0" dirty="0">
+                <a:ln w="22225">
+                  <a:solidFill>
+                    <a:schemeClr val="accent2"/>
+                  </a:solidFill>
+                  <a:prstDash val="solid"/>
+                </a:ln>
+                <a:solidFill>
+                  <a:schemeClr val="accent2">
+                    <a:lumMod val="40000"/>
+                    <a:lumOff val="60000"/>
+                  </a:schemeClr>
+                </a:solidFill>
+                <a:effectLst/>
+              </a:rPr>
+              <a:t>.</a:t>
+            </a:r>
+          </a:p>
+        </p:txBody>
+      </p:sp>
+      <p:pic>
+        <p:nvPicPr>
+          <p:cNvPr id="10" name="Picture 9">
+            <a:extLst>
+              <a:ext uri="{FF2B5EF4-FFF2-40B4-BE49-F238E27FC236}">
+                <a16:creationId xmlns:a16="http://schemas.microsoft.com/office/drawing/2014/main" id="{F6581CFE-0146-4F11-8FC7-926DC75EB6D8}"/>
+              </a:ext>
+            </a:extLst>
+          </p:cNvPr>
+          <p:cNvPicPr>
+            <a:picLocks noChangeAspect="1"/>
+          </p:cNvPicPr>
+          <p:nvPr/>
+        </p:nvPicPr>
+        <p:blipFill>
+          <a:blip r:embed="rId2">
+            <a:extLst>
+              <a:ext uri="{28A0092B-C50C-407E-A947-70E740481C1C}">
+                <a14:useLocalDpi xmlns:a14="http://schemas.microsoft.com/office/drawing/2010/main" val="0"/>
+              </a:ext>
+            </a:extLst>
+          </a:blip>
+          <a:srcRect/>
+          <a:stretch/>
+        </p:blipFill>
+        <p:spPr>
+          <a:xfrm>
+            <a:off x="457204" y="91440"/>
+            <a:ext cx="11155672" cy="6794216"/>
+          </a:xfrm>
+          <a:prstGeom prst="rect">
+            <a:avLst/>
+          </a:prstGeom>
+        </p:spPr>
+      </p:pic>
+      <p:pic>
+        <p:nvPicPr>
+          <p:cNvPr id="16" name="Picture 15">
+            <a:extLst>
+              <a:ext uri="{FF2B5EF4-FFF2-40B4-BE49-F238E27FC236}">
+                <a16:creationId xmlns:a16="http://schemas.microsoft.com/office/drawing/2014/main" id="{2BF7D738-2DE1-4D6F-BBCF-F88D7110DBD1}"/>
+              </a:ext>
+            </a:extLst>
+          </p:cNvPr>
+          <p:cNvPicPr>
+            <a:picLocks noChangeAspect="1"/>
+          </p:cNvPicPr>
+          <p:nvPr/>
+        </p:nvPicPr>
+        <p:blipFill>
+          <a:blip r:embed="rId3">
+            <a:extLst>
+              <a:ext uri="{28A0092B-C50C-407E-A947-70E740481C1C}">
+                <a14:useLocalDpi xmlns:a14="http://schemas.microsoft.com/office/drawing/2010/main" val="0"/>
+              </a:ext>
+            </a:extLst>
+          </a:blip>
+          <a:srcRect/>
+          <a:stretch/>
+        </p:blipFill>
+        <p:spPr>
+          <a:xfrm>
+            <a:off x="6413100" y="2743200"/>
+            <a:ext cx="5480557" cy="3653702"/>
+          </a:xfrm>
+          <a:prstGeom prst="rect">
+            <a:avLst/>
+          </a:prstGeom>
+        </p:spPr>
+      </p:pic>
+    </p:spTree>
+    <p:extLst>
+      <p:ext uri="{BB962C8B-B14F-4D97-AF65-F5344CB8AC3E}">
+        <p14:creationId xmlns:p14="http://schemas.microsoft.com/office/powerpoint/2010/main" val="831856712"/>
       </p:ext>
     </p:extLst>
   </p:cSld>
